--- a/00 Triage Project Introduction.pptx
+++ b/00 Triage Project Introduction.pptx
@@ -3662,10 +3662,9 @@
           <a:lstStyle/>
           <a:p>
             <a:r>
-              <a:rPr lang="en-US" b="1"/>
+              <a:rPr lang="en-US" b="1" dirty="0"/>
               <a:t>Our application architecture</a:t>
             </a:r>
-            <a:endParaRPr lang="en-US" b="1" dirty="0"/>
           </a:p>
         </p:txBody>
       </p:sp>
